--- a/presentation/A Simple Self Drive Model.pptx
+++ b/presentation/A Simple Self Drive Model.pptx
@@ -39114,7 +39114,7 @@
         </p:blipFill>
         <p:spPr>
           <a:xfrm>
-            <a:off x="440069" y="1498101"/>
+            <a:off x="818298" y="1265345"/>
             <a:ext cx="5190264" cy="5190262"/>
           </a:xfrm>
           <a:prstGeom prst="rect">
@@ -39150,7 +39150,7 @@
         </p:blipFill>
         <p:spPr>
           <a:xfrm>
-            <a:off x="6324602" y="1498101"/>
+            <a:off x="6008562" y="1265348"/>
             <a:ext cx="5190262" cy="5190259"/>
           </a:xfrm>
           <a:prstGeom prst="rect">
@@ -39272,7 +39272,7 @@
         <p:spPr>
           <a:xfrm>
             <a:off x="1029325" y="1479513"/>
-            <a:ext cx="9443942" cy="1785104"/>
+            <a:ext cx="9443942" cy="1323439"/>
           </a:xfrm>
           <a:prstGeom prst="rect">
             <a:avLst/>
@@ -39317,25 +39317,7 @@
                 </a:solidFill>
                 <a:latin typeface="+mn-lt"/>
               </a:rPr>
-              <a:t> Turning depending on camera angle</a:t>
-            </a:r>
-          </a:p>
-          <a:p>
-            <a:pPr>
-              <a:lnSpc>
-                <a:spcPct val="150000"/>
-              </a:lnSpc>
-              <a:buFont typeface="Arial" panose="020B0604020202020204" pitchFamily="34" charset="0"/>
-              <a:buChar char="•"/>
-            </a:pPr>
-            <a:r>
-              <a:rPr lang="en-US" sz="2000" dirty="0">
-                <a:solidFill>
-                  <a:srgbClr val="000000"/>
-                </a:solidFill>
-                <a:latin typeface="+mn-lt"/>
-              </a:rPr>
-              <a:t> Train on a simulation to see performance</a:t>
+              <a:t> Limited training environments</a:t>
             </a:r>
           </a:p>
           <a:p>
@@ -39403,7 +39385,7 @@
                 </a:solidFill>
                 <a:latin typeface="+mn-lt"/>
               </a:rPr>
-              <a:t> Visualize with a simulation</a:t>
+              <a:t> Train on a simulation</a:t>
             </a:r>
           </a:p>
         </p:txBody>
@@ -39916,7 +39898,7 @@
                   <a:srgbClr val="000000"/>
                 </a:solidFill>
               </a:rPr>
-              <a:t>Create a model that could predict outputs through images</a:t>
+              <a:t>A model that could predict driving outputs through images</a:t>
             </a:r>
           </a:p>
           <a:p>
@@ -39931,7 +39913,7 @@
                   <a:srgbClr val="000000"/>
                 </a:solidFill>
               </a:rPr>
-              <a:t>Create a model that understood driving</a:t>
+              <a:t>A model that understood basic driving</a:t>
             </a:r>
           </a:p>
         </p:txBody>
@@ -40516,7 +40498,7 @@
                   <a:srgbClr val="000000"/>
                 </a:solidFill>
               </a:rPr>
-              <a:t>Lowest Mean Squared Error (MSE) and Mean Average Error (MAE)</a:t>
+              <a:t>Low Mean Squared Error (MSE) and Mean Absolute Error (MAE)</a:t>
             </a:r>
           </a:p>
           <a:p>
@@ -40531,7 +40513,7 @@
                   <a:srgbClr val="000000"/>
                 </a:solidFill>
               </a:rPr>
-              <a:t>Images with predicted output that make logical sense</a:t>
+              <a:t>Predicted driving outputs that made sense based on the images</a:t>
             </a:r>
           </a:p>
         </p:txBody>
@@ -40584,7 +40566,7 @@
         </p:nvSpPr>
         <p:spPr>
           <a:xfrm>
-            <a:off x="799699" y="699200"/>
+            <a:off x="799699" y="628542"/>
             <a:ext cx="10272000" cy="763600"/>
           </a:xfrm>
         </p:spPr>
@@ -40619,7 +40601,7 @@
         </p:nvSpPr>
         <p:spPr>
           <a:xfrm>
-            <a:off x="1120301" y="1594033"/>
+            <a:off x="1120301" y="1350578"/>
             <a:ext cx="8717966" cy="4609800"/>
           </a:xfrm>
           <a:prstGeom prst="rect">
@@ -40867,7 +40849,7 @@
             </a:pPr>
             <a:r>
               <a:rPr lang="en-US" sz="2000" dirty="0"/>
-              <a:t>5 trips taken in a gas powered car that included image and input data</a:t>
+              <a:t>Udacity Self Drive dataset</a:t>
             </a:r>
           </a:p>
           <a:p>
@@ -40880,7 +40862,20 @@
             </a:pPr>
             <a:r>
               <a:rPr lang="en-US" sz="2000" dirty="0"/>
-              <a:t>36 CSVs of different inputs for each trip</a:t>
+              <a:t>5 trips taken in an Internal Combustion Engine (ICE) car that included image and input data</a:t>
+            </a:r>
+          </a:p>
+          <a:p>
+            <a:pPr marL="285750" indent="-285750">
+              <a:lnSpc>
+                <a:spcPct val="150000"/>
+              </a:lnSpc>
+              <a:buFont typeface="Arial" panose="020B0604020202020204" pitchFamily="34" charset="0"/>
+              <a:buChar char="•"/>
+            </a:pPr>
+            <a:r>
+              <a:rPr lang="en-US" sz="2000" dirty="0"/>
+              <a:t>36 files of different inputs for each trip</a:t>
             </a:r>
           </a:p>
           <a:p>
@@ -40914,7 +40909,7 @@
         </p:nvSpPr>
         <p:spPr>
           <a:xfrm>
-            <a:off x="799699" y="3209533"/>
+            <a:off x="799699" y="3655478"/>
             <a:ext cx="10272000" cy="763600"/>
           </a:xfrm>
           <a:prstGeom prst="rect">
@@ -41209,7 +41204,7 @@
         </p:nvSpPr>
         <p:spPr>
           <a:xfrm>
-            <a:off x="1120301" y="3591333"/>
+            <a:off x="1120301" y="4065158"/>
             <a:ext cx="8717966" cy="4609800"/>
           </a:xfrm>
           <a:prstGeom prst="rect">
@@ -41504,7 +41499,7 @@
             </a:pPr>
             <a:r>
               <a:rPr lang="en-US" sz="2000" dirty="0"/>
-              <a:t>Merging all data into one to make a single model</a:t>
+              <a:t>Merging all data into one file</a:t>
             </a:r>
           </a:p>
           <a:p>
@@ -41704,7 +41699,7 @@
                   <a:srgbClr val="000000"/>
                 </a:solidFill>
               </a:rPr>
-              <a:t>Rename features in CSVs – preventing merge conflicts</a:t>
+              <a:t>Rename features for better personal understanding</a:t>
             </a:r>
           </a:p>
           <a:p>
@@ -41721,7 +41716,7 @@
                   <a:srgbClr val="000000"/>
                 </a:solidFill>
               </a:rPr>
-              <a:t>Merge varying CSVs on image data file paths</a:t>
+              <a:t>Merge files on image data file paths</a:t>
             </a:r>
           </a:p>
           <a:p>
@@ -41873,7 +41868,7 @@
             <a:pPr lvl="1" algn="l"/>
             <a:r>
               <a:rPr lang="en-US" sz="2800" dirty="0"/>
-              <a:t>As the network goes deeper it recognizes more complex features like paws on dogs or cats</a:t>
+              <a:t>As the network goes deeper it recognizes more complex features</a:t>
             </a:r>
           </a:p>
           <a:p>
@@ -41966,8 +41961,8 @@
         </p:nvSpPr>
         <p:spPr>
           <a:xfrm>
-            <a:off x="2904066" y="3386101"/>
-            <a:ext cx="6256867" cy="1131848"/>
+            <a:off x="2929004" y="3069244"/>
+            <a:ext cx="6256867" cy="2239844"/>
           </a:xfrm>
           <a:prstGeom prst="rect">
             <a:avLst/>
@@ -41993,6 +41988,19 @@
             </a:r>
           </a:p>
           <a:p>
+            <a:pPr marL="515938">
+              <a:lnSpc>
+                <a:spcPct val="150000"/>
+              </a:lnSpc>
+              <a:buFont typeface="Arial" panose="020B0604020202020204" pitchFamily="34" charset="0"/>
+              <a:buChar char="•"/>
+            </a:pPr>
+            <a:r>
+              <a:rPr lang="en-US" sz="2400" dirty="0"/>
+              <a:t> Max Possible: ~ 2.4 million</a:t>
+            </a:r>
+          </a:p>
+          <a:p>
             <a:pPr marL="285750" indent="-285750">
               <a:lnSpc>
                 <a:spcPct val="150000"/>
@@ -42003,6 +42011,19 @@
             <a:r>
               <a:rPr lang="en-US" sz="2400" dirty="0"/>
               <a:t>Mean Absolute Error (MAE): 29.63</a:t>
+            </a:r>
+          </a:p>
+          <a:p>
+            <a:pPr marL="515938">
+              <a:lnSpc>
+                <a:spcPct val="150000"/>
+              </a:lnSpc>
+              <a:buFont typeface="Arial" panose="020B0604020202020204" pitchFamily="34" charset="0"/>
+              <a:buChar char="•"/>
+            </a:pPr>
+            <a:r>
+              <a:rPr lang="en-US" sz="2400" dirty="0"/>
+              <a:t> Max Possible: 1,562</a:t>
             </a:r>
           </a:p>
         </p:txBody>
@@ -42065,7 +42086,7 @@
         </p:blipFill>
         <p:spPr>
           <a:xfrm>
-            <a:off x="475519" y="1150607"/>
+            <a:off x="1004918" y="1150177"/>
             <a:ext cx="5120948" cy="5120950"/>
           </a:xfrm>
           <a:prstGeom prst="rect">
@@ -42101,7 +42122,7 @@
         </p:blipFill>
         <p:spPr>
           <a:xfrm>
-            <a:off x="6402442" y="1150177"/>
+            <a:off x="6125866" y="1150177"/>
             <a:ext cx="5121380" cy="5121380"/>
           </a:xfrm>
           <a:prstGeom prst="rect">
@@ -42229,7 +42250,7 @@
         </p:blipFill>
         <p:spPr>
           <a:xfrm>
-            <a:off x="491302" y="1401214"/>
+            <a:off x="725047" y="1401214"/>
             <a:ext cx="5184412" cy="5184412"/>
           </a:xfrm>
           <a:prstGeom prst="rect">
@@ -42265,8 +42286,8 @@
         </p:blipFill>
         <p:spPr>
           <a:xfrm>
-            <a:off x="6516288" y="1401214"/>
-            <a:ext cx="5219466" cy="5219466"/>
+            <a:off x="5909459" y="1401214"/>
+            <a:ext cx="5219466" cy="5184412"/>
           </a:xfrm>
           <a:prstGeom prst="rect">
             <a:avLst/>
@@ -42306,6 +42327,45 @@
                 <a:latin typeface="Lexend SemiBold"/>
               </a:rPr>
               <a:t>Speed Predictions</a:t>
+            </a:r>
+          </a:p>
+        </p:txBody>
+      </p:sp>
+      <p:sp>
+        <p:nvSpPr>
+          <p:cNvPr id="3" name="TextBox 2">
+            <a:extLst>
+              <a:ext uri="{FF2B5EF4-FFF2-40B4-BE49-F238E27FC236}">
+                <a16:creationId xmlns:a16="http://schemas.microsoft.com/office/drawing/2014/main" id="{03308B94-FB5A-CDEE-471C-C8E562BE236E}"/>
+              </a:ext>
+            </a:extLst>
+          </p:cNvPr>
+          <p:cNvSpPr txBox="1"/>
+          <p:nvPr/>
+        </p:nvSpPr>
+        <p:spPr>
+          <a:xfrm>
+            <a:off x="9043649" y="903316"/>
+            <a:ext cx="2120344" cy="400110"/>
+          </a:xfrm>
+          <a:prstGeom prst="rect">
+            <a:avLst/>
+          </a:prstGeom>
+          <a:noFill/>
+        </p:spPr>
+        <p:txBody>
+          <a:bodyPr wrap="square" rtlCol="0">
+            <a:spAutoFit/>
+          </a:bodyPr>
+          <a:lstStyle/>
+          <a:p>
+            <a:pPr marL="285750" indent="-285750">
+              <a:buFont typeface="Arial" panose="020B0604020202020204" pitchFamily="34" charset="0"/>
+              <a:buChar char="•"/>
+            </a:pPr>
+            <a:r>
+              <a:rPr lang="en-US" sz="2000" dirty="0"/>
+              <a:t>Speed in km/h</a:t>
             </a:r>
           </a:p>
         </p:txBody>
@@ -42418,8 +42478,8 @@
         </p:blipFill>
         <p:spPr>
           <a:xfrm>
-            <a:off x="6259000" y="1376998"/>
-            <a:ext cx="5337166" cy="5337162"/>
+            <a:off x="6034809" y="1295916"/>
+            <a:ext cx="5337166" cy="5299001"/>
           </a:xfrm>
           <a:prstGeom prst="rect">
             <a:avLst/>
@@ -42454,7 +42514,7 @@
         </p:blipFill>
         <p:spPr>
           <a:xfrm>
-            <a:off x="403300" y="1376998"/>
+            <a:off x="735809" y="1295918"/>
             <a:ext cx="5299000" cy="5299000"/>
           </a:xfrm>
           <a:prstGeom prst="rect">

--- a/presentation/A Simple Self Drive Model.pptx
+++ b/presentation/A Simple Self Drive Model.pptx
@@ -343,7 +343,7 @@
           <a:p>
             <a:fld id="{EC494720-AE00-41D5-933F-A0A312317A1D}" type="datetimeFigureOut">
               <a:rPr lang="en-US" smtClean="0"/>
-              <a:t>1/23/2025</a:t>
+              <a:t>1/24/2025</a:t>
             </a:fld>
             <a:endParaRPr lang="en-US"/>
           </a:p>
@@ -38989,13 +38989,18 @@
           <a:lstStyle/>
           <a:p>
             <a:r>
-              <a:rPr lang="en-US" dirty="0">
+              <a:rPr lang="en-US">
                 <a:solidFill>
                   <a:srgbClr val="000000"/>
                 </a:solidFill>
               </a:rPr>
-              <a:t>A Simple Self Drive Model</a:t>
+              <a:t>VisionDrive</a:t>
             </a:r>
+            <a:endParaRPr lang="en-US" dirty="0">
+              <a:solidFill>
+                <a:srgbClr val="000000"/>
+              </a:solidFill>
+            </a:endParaRPr>
           </a:p>
         </p:txBody>
       </p:sp>
